--- a/03.MAP/2D In Out_.pptx
+++ b/03.MAP/2D In Out_.pptx
@@ -198,7 +198,7 @@
           <a:p>
             <a:fld id="{AF4BC3E0-0C7F-47FF-B8C4-8C9E8D071B5C}" type="datetimeFigureOut">
               <a:rPr lang="en-US" smtClean="0"/>
-              <a:t>3/26/2025</a:t>
+              <a:t>3/27/2025</a:t>
             </a:fld>
             <a:endParaRPr lang="en-US"/>
           </a:p>
@@ -804,7 +804,7 @@
           <a:p>
             <a:fld id="{DA8EF59F-D1A2-4442-9362-3F3D9219E990}" type="datetimeFigureOut">
               <a:rPr lang="en-US" smtClean="0"/>
-              <a:t>3/26/2025</a:t>
+              <a:t>3/27/2025</a:t>
             </a:fld>
             <a:endParaRPr lang="en-US"/>
           </a:p>
@@ -1002,7 +1002,7 @@
           <a:p>
             <a:fld id="{DA8EF59F-D1A2-4442-9362-3F3D9219E990}" type="datetimeFigureOut">
               <a:rPr lang="en-US" smtClean="0"/>
-              <a:t>3/26/2025</a:t>
+              <a:t>3/27/2025</a:t>
             </a:fld>
             <a:endParaRPr lang="en-US"/>
           </a:p>
@@ -1210,7 +1210,7 @@
           <a:p>
             <a:fld id="{DA8EF59F-D1A2-4442-9362-3F3D9219E990}" type="datetimeFigureOut">
               <a:rPr lang="en-US" smtClean="0"/>
-              <a:t>3/26/2025</a:t>
+              <a:t>3/27/2025</a:t>
             </a:fld>
             <a:endParaRPr lang="en-US"/>
           </a:p>
@@ -1408,7 +1408,7 @@
           <a:p>
             <a:fld id="{DA8EF59F-D1A2-4442-9362-3F3D9219E990}" type="datetimeFigureOut">
               <a:rPr lang="en-US" smtClean="0"/>
-              <a:t>3/26/2025</a:t>
+              <a:t>3/27/2025</a:t>
             </a:fld>
             <a:endParaRPr lang="en-US"/>
           </a:p>
@@ -1683,7 +1683,7 @@
           <a:p>
             <a:fld id="{DA8EF59F-D1A2-4442-9362-3F3D9219E990}" type="datetimeFigureOut">
               <a:rPr lang="en-US" smtClean="0"/>
-              <a:t>3/26/2025</a:t>
+              <a:t>3/27/2025</a:t>
             </a:fld>
             <a:endParaRPr lang="en-US"/>
           </a:p>
@@ -1948,7 +1948,7 @@
           <a:p>
             <a:fld id="{DA8EF59F-D1A2-4442-9362-3F3D9219E990}" type="datetimeFigureOut">
               <a:rPr lang="en-US" smtClean="0"/>
-              <a:t>3/26/2025</a:t>
+              <a:t>3/27/2025</a:t>
             </a:fld>
             <a:endParaRPr lang="en-US"/>
           </a:p>
@@ -2360,7 +2360,7 @@
           <a:p>
             <a:fld id="{DA8EF59F-D1A2-4442-9362-3F3D9219E990}" type="datetimeFigureOut">
               <a:rPr lang="en-US" smtClean="0"/>
-              <a:t>3/26/2025</a:t>
+              <a:t>3/27/2025</a:t>
             </a:fld>
             <a:endParaRPr lang="en-US"/>
           </a:p>
@@ -2501,7 +2501,7 @@
           <a:p>
             <a:fld id="{DA8EF59F-D1A2-4442-9362-3F3D9219E990}" type="datetimeFigureOut">
               <a:rPr lang="en-US" smtClean="0"/>
-              <a:t>3/26/2025</a:t>
+              <a:t>3/27/2025</a:t>
             </a:fld>
             <a:endParaRPr lang="en-US"/>
           </a:p>
@@ -2614,7 +2614,7 @@
           <a:p>
             <a:fld id="{DA8EF59F-D1A2-4442-9362-3F3D9219E990}" type="datetimeFigureOut">
               <a:rPr lang="en-US" smtClean="0"/>
-              <a:t>3/26/2025</a:t>
+              <a:t>3/27/2025</a:t>
             </a:fld>
             <a:endParaRPr lang="en-US"/>
           </a:p>
@@ -2925,7 +2925,7 @@
           <a:p>
             <a:fld id="{DA8EF59F-D1A2-4442-9362-3F3D9219E990}" type="datetimeFigureOut">
               <a:rPr lang="en-US" smtClean="0"/>
-              <a:t>3/26/2025</a:t>
+              <a:t>3/27/2025</a:t>
             </a:fld>
             <a:endParaRPr lang="en-US"/>
           </a:p>
@@ -3213,7 +3213,7 @@
           <a:p>
             <a:fld id="{DA8EF59F-D1A2-4442-9362-3F3D9219E990}" type="datetimeFigureOut">
               <a:rPr lang="en-US" smtClean="0"/>
-              <a:t>3/26/2025</a:t>
+              <a:t>3/27/2025</a:t>
             </a:fld>
             <a:endParaRPr lang="en-US"/>
           </a:p>
@@ -3454,7 +3454,7 @@
           <a:p>
             <a:fld id="{DA8EF59F-D1A2-4442-9362-3F3D9219E990}" type="datetimeFigureOut">
               <a:rPr lang="en-US" smtClean="0"/>
-              <a:t>3/26/2025</a:t>
+              <a:t>3/27/2025</a:t>
             </a:fld>
             <a:endParaRPr lang="en-US"/>
           </a:p>

--- a/03.MAP/2D In Out_.pptx
+++ b/03.MAP/2D In Out_.pptx
@@ -198,7 +198,7 @@
           <a:p>
             <a:fld id="{AF4BC3E0-0C7F-47FF-B8C4-8C9E8D071B5C}" type="datetimeFigureOut">
               <a:rPr lang="en-US" smtClean="0"/>
-              <a:t>3/27/2025</a:t>
+              <a:t>3/28/2025</a:t>
             </a:fld>
             <a:endParaRPr lang="en-US"/>
           </a:p>
@@ -804,7 +804,7 @@
           <a:p>
             <a:fld id="{DA8EF59F-D1A2-4442-9362-3F3D9219E990}" type="datetimeFigureOut">
               <a:rPr lang="en-US" smtClean="0"/>
-              <a:t>3/27/2025</a:t>
+              <a:t>3/28/2025</a:t>
             </a:fld>
             <a:endParaRPr lang="en-US"/>
           </a:p>
@@ -1002,7 +1002,7 @@
           <a:p>
             <a:fld id="{DA8EF59F-D1A2-4442-9362-3F3D9219E990}" type="datetimeFigureOut">
               <a:rPr lang="en-US" smtClean="0"/>
-              <a:t>3/27/2025</a:t>
+              <a:t>3/28/2025</a:t>
             </a:fld>
             <a:endParaRPr lang="en-US"/>
           </a:p>
@@ -1210,7 +1210,7 @@
           <a:p>
             <a:fld id="{DA8EF59F-D1A2-4442-9362-3F3D9219E990}" type="datetimeFigureOut">
               <a:rPr lang="en-US" smtClean="0"/>
-              <a:t>3/27/2025</a:t>
+              <a:t>3/28/2025</a:t>
             </a:fld>
             <a:endParaRPr lang="en-US"/>
           </a:p>
@@ -1408,7 +1408,7 @@
           <a:p>
             <a:fld id="{DA8EF59F-D1A2-4442-9362-3F3D9219E990}" type="datetimeFigureOut">
               <a:rPr lang="en-US" smtClean="0"/>
-              <a:t>3/27/2025</a:t>
+              <a:t>3/28/2025</a:t>
             </a:fld>
             <a:endParaRPr lang="en-US"/>
           </a:p>
@@ -1683,7 +1683,7 @@
           <a:p>
             <a:fld id="{DA8EF59F-D1A2-4442-9362-3F3D9219E990}" type="datetimeFigureOut">
               <a:rPr lang="en-US" smtClean="0"/>
-              <a:t>3/27/2025</a:t>
+              <a:t>3/28/2025</a:t>
             </a:fld>
             <a:endParaRPr lang="en-US"/>
           </a:p>
@@ -1948,7 +1948,7 @@
           <a:p>
             <a:fld id="{DA8EF59F-D1A2-4442-9362-3F3D9219E990}" type="datetimeFigureOut">
               <a:rPr lang="en-US" smtClean="0"/>
-              <a:t>3/27/2025</a:t>
+              <a:t>3/28/2025</a:t>
             </a:fld>
             <a:endParaRPr lang="en-US"/>
           </a:p>
@@ -2360,7 +2360,7 @@
           <a:p>
             <a:fld id="{DA8EF59F-D1A2-4442-9362-3F3D9219E990}" type="datetimeFigureOut">
               <a:rPr lang="en-US" smtClean="0"/>
-              <a:t>3/27/2025</a:t>
+              <a:t>3/28/2025</a:t>
             </a:fld>
             <a:endParaRPr lang="en-US"/>
           </a:p>
@@ -2501,7 +2501,7 @@
           <a:p>
             <a:fld id="{DA8EF59F-D1A2-4442-9362-3F3D9219E990}" type="datetimeFigureOut">
               <a:rPr lang="en-US" smtClean="0"/>
-              <a:t>3/27/2025</a:t>
+              <a:t>3/28/2025</a:t>
             </a:fld>
             <a:endParaRPr lang="en-US"/>
           </a:p>
@@ -2614,7 +2614,7 @@
           <a:p>
             <a:fld id="{DA8EF59F-D1A2-4442-9362-3F3D9219E990}" type="datetimeFigureOut">
               <a:rPr lang="en-US" smtClean="0"/>
-              <a:t>3/27/2025</a:t>
+              <a:t>3/28/2025</a:t>
             </a:fld>
             <a:endParaRPr lang="en-US"/>
           </a:p>
@@ -2925,7 +2925,7 @@
           <a:p>
             <a:fld id="{DA8EF59F-D1A2-4442-9362-3F3D9219E990}" type="datetimeFigureOut">
               <a:rPr lang="en-US" smtClean="0"/>
-              <a:t>3/27/2025</a:t>
+              <a:t>3/28/2025</a:t>
             </a:fld>
             <a:endParaRPr lang="en-US"/>
           </a:p>
@@ -3213,7 +3213,7 @@
           <a:p>
             <a:fld id="{DA8EF59F-D1A2-4442-9362-3F3D9219E990}" type="datetimeFigureOut">
               <a:rPr lang="en-US" smtClean="0"/>
-              <a:t>3/27/2025</a:t>
+              <a:t>3/28/2025</a:t>
             </a:fld>
             <a:endParaRPr lang="en-US"/>
           </a:p>
@@ -3454,7 +3454,7 @@
           <a:p>
             <a:fld id="{DA8EF59F-D1A2-4442-9362-3F3D9219E990}" type="datetimeFigureOut">
               <a:rPr lang="en-US" smtClean="0"/>
-              <a:t>3/27/2025</a:t>
+              <a:t>3/28/2025</a:t>
             </a:fld>
             <a:endParaRPr lang="en-US"/>
           </a:p>
@@ -5636,7 +5636,7 @@
                     <a:srgbClr val="FFFF00"/>
                   </a:solidFill>
                 </a:rPr>
-                <a:t>Axis#18</a:t>
+                <a:t>Axis#17</a:t>
               </a:r>
               <a:endParaRPr lang="en-US" sz="1100" b="1" dirty="0">
                 <a:solidFill>
@@ -13524,7 +13524,7 @@
                   <a:srgbClr val="FFFF00"/>
                 </a:solidFill>
               </a:rPr>
-              <a:t>Axis#17</a:t>
+              <a:t>Axis#18</a:t>
             </a:r>
             <a:endParaRPr lang="en-US" sz="1100" b="1" dirty="0">
               <a:solidFill>

--- a/03.MAP/2D In Out_.pptx
+++ b/03.MAP/2D In Out_.pptx
@@ -4897,7 +4897,7 @@
               <a:pPr algn="just"/>
               <a:r>
                 <a:rPr lang="en-US" sz="1200" b="1" dirty="0"/>
-                <a:t>R_1</a:t>
+                <a:t>L_1</a:t>
               </a:r>
               <a:r>
                 <a:rPr lang="en-US" sz="1200" b="1" baseline="30000" dirty="0"/>
@@ -5390,7 +5390,7 @@
               <a:pPr algn="just"/>
               <a:r>
                 <a:rPr lang="en-US" sz="1200" b="1" dirty="0"/>
-                <a:t>R_3</a:t>
+                <a:t>L_3</a:t>
               </a:r>
               <a:r>
                 <a:rPr lang="en-US" sz="1200" b="1" baseline="30000" dirty="0"/>
@@ -6297,7 +6297,7 @@
               <a:pPr algn="just"/>
               <a:r>
                 <a:rPr lang="en-US" sz="1200" b="1" dirty="0"/>
-                <a:t>R_4</a:t>
+                <a:t>L_4</a:t>
               </a:r>
               <a:r>
                 <a:rPr lang="en-US" sz="1200" b="1" baseline="30000" dirty="0"/>
@@ -6815,7 +6815,7 @@
               <a:pPr algn="just"/>
               <a:r>
                 <a:rPr lang="en-US" sz="1200" b="1" dirty="0"/>
-                <a:t>R_2</a:t>
+                <a:t>L_2</a:t>
               </a:r>
               <a:r>
                 <a:rPr lang="en-US" sz="1200" b="1" baseline="30000" dirty="0"/>
@@ -7000,7 +7000,7 @@
                     <a:srgbClr val="FFFF00"/>
                   </a:solidFill>
                 </a:rPr>
-                <a:t>R_P&amp;P</a:t>
+                <a:t>L_P&amp;P</a:t>
               </a:r>
             </a:p>
           </p:txBody>
@@ -12769,7 +12769,7 @@
             <a:pPr algn="just"/>
             <a:r>
               <a:rPr lang="en-US" sz="1200" b="1" dirty="0"/>
-              <a:t>L</a:t>
+              <a:t>R</a:t>
             </a:r>
             <a:r>
               <a:rPr lang="en-US" sz="1200" b="1"/>
@@ -13270,15 +13270,7 @@
             <a:pPr algn="just"/>
             <a:r>
               <a:rPr lang="en-US" sz="1200" b="1" dirty="0"/>
-              <a:t>L</a:t>
-            </a:r>
-            <a:r>
-              <a:rPr lang="en-US" sz="1200" b="1"/>
-              <a:t>_</a:t>
-            </a:r>
-            <a:r>
-              <a:rPr lang="en-US" sz="1200" b="1" dirty="0"/>
-              <a:t>3</a:t>
+              <a:t>R_3</a:t>
             </a:r>
             <a:r>
               <a:rPr lang="en-US" sz="1200" b="1" baseline="30000" dirty="0"/>
@@ -14185,15 +14177,7 @@
             <a:pPr algn="just"/>
             <a:r>
               <a:rPr lang="en-US" sz="1200" b="1" dirty="0"/>
-              <a:t>L</a:t>
-            </a:r>
-            <a:r>
-              <a:rPr lang="en-US" sz="1200" b="1"/>
-              <a:t>_</a:t>
-            </a:r>
-            <a:r>
-              <a:rPr lang="en-US" sz="1200" b="1" dirty="0"/>
-              <a:t>4</a:t>
+              <a:t>R_4</a:t>
             </a:r>
             <a:r>
               <a:rPr lang="en-US" sz="1200" b="1" baseline="30000" dirty="0"/>
@@ -14711,15 +14695,7 @@
             <a:pPr algn="just"/>
             <a:r>
               <a:rPr lang="en-US" sz="1200" b="1" dirty="0"/>
-              <a:t>L</a:t>
-            </a:r>
-            <a:r>
-              <a:rPr lang="en-US" sz="1200" b="1"/>
-              <a:t>_</a:t>
-            </a:r>
-            <a:r>
-              <a:rPr lang="en-US" sz="1200" b="1" dirty="0"/>
-              <a:t>2</a:t>
+              <a:t>R_2</a:t>
             </a:r>
             <a:r>
               <a:rPr lang="en-US" sz="1200" b="1" baseline="30000" dirty="0"/>
@@ -14904,23 +14880,7 @@
                   <a:srgbClr val="FFFF00"/>
                 </a:solidFill>
               </a:rPr>
-              <a:t>L</a:t>
-            </a:r>
-            <a:r>
-              <a:rPr lang="en-US" sz="1100" b="1">
-                <a:solidFill>
-                  <a:srgbClr val="FFFF00"/>
-                </a:solidFill>
-              </a:rPr>
-              <a:t>_</a:t>
-            </a:r>
-            <a:r>
-              <a:rPr lang="en-US" sz="1100" b="1" dirty="0">
-                <a:solidFill>
-                  <a:srgbClr val="FFFF00"/>
-                </a:solidFill>
-              </a:rPr>
-              <a:t>P&amp;P</a:t>
+              <a:t>R_P&amp;P</a:t>
             </a:r>
           </a:p>
         </p:txBody>
@@ -18238,9 +18198,9 @@
           <p:nvPr/>
         </p:nvSpPr>
         <p:spPr>
-          <a:xfrm>
-            <a:off x="7949908" y="5429759"/>
-            <a:ext cx="453556" cy="276999"/>
+          <a:xfrm rot="5400000">
+            <a:off x="7726447" y="5692276"/>
+            <a:ext cx="849664" cy="184666"/>
           </a:xfrm>
           <a:prstGeom prst="rect">
             <a:avLst/>
@@ -18255,17 +18215,9 @@
           <a:p>
             <a:pPr algn="just"/>
             <a:r>
-              <a:rPr lang="en-US" sz="600" b="1"/>
-              <a:t>PUSH </a:t>
-            </a:r>
-          </a:p>
-          <a:p>
-            <a:pPr algn="just"/>
-            <a:r>
-              <a:rPr lang="en-US" sz="600" b="1"/>
-              <a:t>BEHIND</a:t>
-            </a:r>
-            <a:endParaRPr lang="en-US" sz="600" b="1" dirty="0"/>
+              <a:rPr lang="en-US" sz="600" b="1" dirty="0"/>
+              <a:t>MANDREL</a:t>
+            </a:r>
           </a:p>
         </p:txBody>
       </p:sp>
@@ -18534,9 +18486,9 @@
           <p:nvPr/>
         </p:nvSpPr>
         <p:spPr>
-          <a:xfrm>
-            <a:off x="11046072" y="5414751"/>
-            <a:ext cx="453556" cy="276999"/>
+          <a:xfrm rot="5400000">
+            <a:off x="10895812" y="5611853"/>
+            <a:ext cx="704420" cy="184666"/>
           </a:xfrm>
           <a:prstGeom prst="rect">
             <a:avLst/>
@@ -18551,17 +18503,9 @@
           <a:p>
             <a:pPr algn="just"/>
             <a:r>
-              <a:rPr lang="en-US" sz="600" b="1"/>
-              <a:t>PUSH </a:t>
-            </a:r>
-          </a:p>
-          <a:p>
-            <a:pPr algn="just"/>
-            <a:r>
-              <a:rPr lang="en-US" sz="600" b="1"/>
-              <a:t>BEHIND</a:t>
-            </a:r>
-            <a:endParaRPr lang="en-US" sz="600" b="1" dirty="0"/>
+              <a:rPr lang="en-US" sz="600" b="1" dirty="0"/>
+              <a:t>MANDREL</a:t>
+            </a:r>
           </a:p>
         </p:txBody>
       </p:sp>

--- a/03.MAP/2D In Out_.pptx
+++ b/03.MAP/2D In Out_.pptx
@@ -198,7 +198,7 @@
           <a:p>
             <a:fld id="{AF4BC3E0-0C7F-47FF-B8C4-8C9E8D071B5C}" type="datetimeFigureOut">
               <a:rPr lang="en-US" smtClean="0"/>
-              <a:t>3/28/2025</a:t>
+              <a:t>3/31/2025</a:t>
             </a:fld>
             <a:endParaRPr lang="en-US"/>
           </a:p>
@@ -804,7 +804,7 @@
           <a:p>
             <a:fld id="{DA8EF59F-D1A2-4442-9362-3F3D9219E990}" type="datetimeFigureOut">
               <a:rPr lang="en-US" smtClean="0"/>
-              <a:t>3/28/2025</a:t>
+              <a:t>3/31/2025</a:t>
             </a:fld>
             <a:endParaRPr lang="en-US"/>
           </a:p>
@@ -1002,7 +1002,7 @@
           <a:p>
             <a:fld id="{DA8EF59F-D1A2-4442-9362-3F3D9219E990}" type="datetimeFigureOut">
               <a:rPr lang="en-US" smtClean="0"/>
-              <a:t>3/28/2025</a:t>
+              <a:t>3/31/2025</a:t>
             </a:fld>
             <a:endParaRPr lang="en-US"/>
           </a:p>
@@ -1210,7 +1210,7 @@
           <a:p>
             <a:fld id="{DA8EF59F-D1A2-4442-9362-3F3D9219E990}" type="datetimeFigureOut">
               <a:rPr lang="en-US" smtClean="0"/>
-              <a:t>3/28/2025</a:t>
+              <a:t>3/31/2025</a:t>
             </a:fld>
             <a:endParaRPr lang="en-US"/>
           </a:p>
@@ -1408,7 +1408,7 @@
           <a:p>
             <a:fld id="{DA8EF59F-D1A2-4442-9362-3F3D9219E990}" type="datetimeFigureOut">
               <a:rPr lang="en-US" smtClean="0"/>
-              <a:t>3/28/2025</a:t>
+              <a:t>3/31/2025</a:t>
             </a:fld>
             <a:endParaRPr lang="en-US"/>
           </a:p>
@@ -1683,7 +1683,7 @@
           <a:p>
             <a:fld id="{DA8EF59F-D1A2-4442-9362-3F3D9219E990}" type="datetimeFigureOut">
               <a:rPr lang="en-US" smtClean="0"/>
-              <a:t>3/28/2025</a:t>
+              <a:t>3/31/2025</a:t>
             </a:fld>
             <a:endParaRPr lang="en-US"/>
           </a:p>
@@ -1948,7 +1948,7 @@
           <a:p>
             <a:fld id="{DA8EF59F-D1A2-4442-9362-3F3D9219E990}" type="datetimeFigureOut">
               <a:rPr lang="en-US" smtClean="0"/>
-              <a:t>3/28/2025</a:t>
+              <a:t>3/31/2025</a:t>
             </a:fld>
             <a:endParaRPr lang="en-US"/>
           </a:p>
@@ -2360,7 +2360,7 @@
           <a:p>
             <a:fld id="{DA8EF59F-D1A2-4442-9362-3F3D9219E990}" type="datetimeFigureOut">
               <a:rPr lang="en-US" smtClean="0"/>
-              <a:t>3/28/2025</a:t>
+              <a:t>3/31/2025</a:t>
             </a:fld>
             <a:endParaRPr lang="en-US"/>
           </a:p>
@@ -2501,7 +2501,7 @@
           <a:p>
             <a:fld id="{DA8EF59F-D1A2-4442-9362-3F3D9219E990}" type="datetimeFigureOut">
               <a:rPr lang="en-US" smtClean="0"/>
-              <a:t>3/28/2025</a:t>
+              <a:t>3/31/2025</a:t>
             </a:fld>
             <a:endParaRPr lang="en-US"/>
           </a:p>
@@ -2614,7 +2614,7 @@
           <a:p>
             <a:fld id="{DA8EF59F-D1A2-4442-9362-3F3D9219E990}" type="datetimeFigureOut">
               <a:rPr lang="en-US" smtClean="0"/>
-              <a:t>3/28/2025</a:t>
+              <a:t>3/31/2025</a:t>
             </a:fld>
             <a:endParaRPr lang="en-US"/>
           </a:p>
@@ -2925,7 +2925,7 @@
           <a:p>
             <a:fld id="{DA8EF59F-D1A2-4442-9362-3F3D9219E990}" type="datetimeFigureOut">
               <a:rPr lang="en-US" smtClean="0"/>
-              <a:t>3/28/2025</a:t>
+              <a:t>3/31/2025</a:t>
             </a:fld>
             <a:endParaRPr lang="en-US"/>
           </a:p>
@@ -3213,7 +3213,7 @@
           <a:p>
             <a:fld id="{DA8EF59F-D1A2-4442-9362-3F3D9219E990}" type="datetimeFigureOut">
               <a:rPr lang="en-US" smtClean="0"/>
-              <a:t>3/28/2025</a:t>
+              <a:t>3/31/2025</a:t>
             </a:fld>
             <a:endParaRPr lang="en-US"/>
           </a:p>
@@ -3454,7 +3454,7 @@
           <a:p>
             <a:fld id="{DA8EF59F-D1A2-4442-9362-3F3D9219E990}" type="datetimeFigureOut">
               <a:rPr lang="en-US" smtClean="0"/>
-              <a:t>3/28/2025</a:t>
+              <a:t>3/31/2025</a:t>
             </a:fld>
             <a:endParaRPr lang="en-US"/>
           </a:p>
@@ -12585,7 +12585,7 @@
                   <a:srgbClr val="FF0000"/>
                 </a:solidFill>
               </a:rPr>
-              <a:t>: P066-</a:t>
+              <a:t>: P064-</a:t>
             </a:r>
             <a:endParaRPr lang="en-US" sz="1100" b="1" dirty="0">
               <a:solidFill>
